--- a/Projektskizze WIE 2023.pptx
+++ b/Projektskizze WIE 2023.pptx
@@ -10,6 +10,8 @@
     <p:sldId id="260" r:id="rId4"/>
     <p:sldId id="257" r:id="rId5"/>
     <p:sldId id="258" r:id="rId6"/>
+    <p:sldId id="261" r:id="rId7"/>
+    <p:sldId id="262" r:id="rId8"/>
   </p:sldIdLst>
   <p:sldSz cx="12192000" cy="6858000"/>
   <p:notesSz cx="6858000" cy="9144000"/>
@@ -3804,39 +3806,242 @@
           <a:bodyPr/>
           <a:lstStyle/>
           <a:p>
-            <a:endParaRPr lang="de-DE" dirty="0"/>
-          </a:p>
-        </p:txBody>
-      </p:sp>
-      <p:sp>
-        <p:nvSpPr>
-          <p:cNvPr id="3" name="Inhaltsplatzhalter 2">
-            <a:extLst>
-              <a:ext uri="{FF2B5EF4-FFF2-40B4-BE49-F238E27FC236}">
-                <a16:creationId xmlns:a16="http://schemas.microsoft.com/office/drawing/2014/main" id="{EB34D2A4-B39F-0C8D-8FE2-B33C08ACEE60}"/>
-              </a:ext>
-            </a:extLst>
-          </p:cNvPr>
-          <p:cNvSpPr>
-            <a:spLocks noGrp="1"/>
-          </p:cNvSpPr>
+            <a:r>
+              <a:rPr lang="de-DE" dirty="0"/>
+              <a:t>Contact Page</a:t>
+            </a:r>
+          </a:p>
+        </p:txBody>
+      </p:sp>
+      <p:pic>
+        <p:nvPicPr>
+          <p:cNvPr id="5" name="Inhaltsplatzhalter 4">
+            <a:extLst>
+              <a:ext uri="{FF2B5EF4-FFF2-40B4-BE49-F238E27FC236}">
+                <a16:creationId xmlns:a16="http://schemas.microsoft.com/office/drawing/2014/main" id="{2BE775BF-ECFC-1C7A-2367-E2C3870F9FDF}"/>
+              </a:ext>
+            </a:extLst>
+          </p:cNvPr>
+          <p:cNvPicPr>
+            <a:picLocks noGrp="1" noChangeAspect="1"/>
+          </p:cNvPicPr>
           <p:nvPr>
             <p:ph idx="1"/>
           </p:nvPr>
-        </p:nvSpPr>
-        <p:spPr/>
-        <p:txBody>
-          <a:bodyPr/>
-          <a:lstStyle/>
-          <a:p>
-            <a:endParaRPr lang="de-DE"/>
-          </a:p>
-        </p:txBody>
-      </p:sp>
+        </p:nvPicPr>
+        <p:blipFill>
+          <a:blip r:embed="rId2">
+            <a:extLst>
+              <a:ext uri="{28A0092B-C50C-407E-A947-70E740481C1C}">
+                <a14:useLocalDpi xmlns:a14="http://schemas.microsoft.com/office/drawing/2010/main" val="0"/>
+              </a:ext>
+            </a:extLst>
+          </a:blip>
+          <a:stretch>
+            <a:fillRect/>
+          </a:stretch>
+        </p:blipFill>
+        <p:spPr>
+          <a:xfrm>
+            <a:off x="1838415" y="1397278"/>
+            <a:ext cx="8515170" cy="4874935"/>
+          </a:xfrm>
+        </p:spPr>
+      </p:pic>
     </p:spTree>
     <p:extLst>
       <p:ext uri="{BB962C8B-B14F-4D97-AF65-F5344CB8AC3E}">
         <p14:creationId xmlns:p14="http://schemas.microsoft.com/office/powerpoint/2010/main" val="1315510042"/>
+      </p:ext>
+    </p:extLst>
+  </p:cSld>
+  <p:clrMapOvr>
+    <a:masterClrMapping/>
+  </p:clrMapOvr>
+</p:sld>
+</file>
+
+<file path=ppt/slides/slide6.xml><?xml version="1.0" encoding="utf-8"?>
+<p:sld xmlns:a="http://schemas.openxmlformats.org/drawingml/2006/main" xmlns:r="http://schemas.openxmlformats.org/officeDocument/2006/relationships" xmlns:p="http://schemas.openxmlformats.org/presentationml/2006/main">
+  <p:cSld>
+    <p:spTree>
+      <p:nvGrpSpPr>
+        <p:cNvPr id="1" name=""/>
+        <p:cNvGrpSpPr/>
+        <p:nvPr/>
+      </p:nvGrpSpPr>
+      <p:grpSpPr>
+        <a:xfrm>
+          <a:off x="0" y="0"/>
+          <a:ext cx="0" cy="0"/>
+          <a:chOff x="0" y="0"/>
+          <a:chExt cx="0" cy="0"/>
+        </a:xfrm>
+      </p:grpSpPr>
+      <p:sp>
+        <p:nvSpPr>
+          <p:cNvPr id="2" name="Titel 1">
+            <a:extLst>
+              <a:ext uri="{FF2B5EF4-FFF2-40B4-BE49-F238E27FC236}">
+                <a16:creationId xmlns:a16="http://schemas.microsoft.com/office/drawing/2014/main" id="{BC8D15D5-095A-0520-5BC6-A4BDD4A37B46}"/>
+              </a:ext>
+            </a:extLst>
+          </p:cNvPr>
+          <p:cNvSpPr>
+            <a:spLocks noGrp="1"/>
+          </p:cNvSpPr>
+          <p:nvPr>
+            <p:ph type="title"/>
+          </p:nvPr>
+        </p:nvSpPr>
+        <p:spPr/>
+        <p:txBody>
+          <a:bodyPr/>
+          <a:lstStyle/>
+          <a:p>
+            <a:r>
+              <a:rPr lang="de-DE" dirty="0"/>
+              <a:t>Galerie</a:t>
+            </a:r>
+          </a:p>
+        </p:txBody>
+      </p:sp>
+      <p:pic>
+        <p:nvPicPr>
+          <p:cNvPr id="5" name="Inhaltsplatzhalter 4">
+            <a:extLst>
+              <a:ext uri="{FF2B5EF4-FFF2-40B4-BE49-F238E27FC236}">
+                <a16:creationId xmlns:a16="http://schemas.microsoft.com/office/drawing/2014/main" id="{9DF885F4-B04E-9F5E-4B51-CB4E1738D6E7}"/>
+              </a:ext>
+            </a:extLst>
+          </p:cNvPr>
+          <p:cNvPicPr>
+            <a:picLocks noGrp="1" noChangeAspect="1"/>
+          </p:cNvPicPr>
+          <p:nvPr>
+            <p:ph idx="1"/>
+          </p:nvPr>
+        </p:nvPicPr>
+        <p:blipFill>
+          <a:blip r:embed="rId2">
+            <a:extLst>
+              <a:ext uri="{28A0092B-C50C-407E-A947-70E740481C1C}">
+                <a14:useLocalDpi xmlns:a14="http://schemas.microsoft.com/office/drawing/2010/main" val="0"/>
+              </a:ext>
+            </a:extLst>
+          </a:blip>
+          <a:stretch>
+            <a:fillRect/>
+          </a:stretch>
+        </p:blipFill>
+        <p:spPr>
+          <a:xfrm>
+            <a:off x="2491530" y="1297941"/>
+            <a:ext cx="7208940" cy="5406706"/>
+          </a:xfrm>
+        </p:spPr>
+      </p:pic>
+    </p:spTree>
+    <p:extLst>
+      <p:ext uri="{BB962C8B-B14F-4D97-AF65-F5344CB8AC3E}">
+        <p14:creationId xmlns:p14="http://schemas.microsoft.com/office/powerpoint/2010/main" val="2531419246"/>
+      </p:ext>
+    </p:extLst>
+  </p:cSld>
+  <p:clrMapOvr>
+    <a:masterClrMapping/>
+  </p:clrMapOvr>
+</p:sld>
+</file>
+
+<file path=ppt/slides/slide7.xml><?xml version="1.0" encoding="utf-8"?>
+<p:sld xmlns:a="http://schemas.openxmlformats.org/drawingml/2006/main" xmlns:r="http://schemas.openxmlformats.org/officeDocument/2006/relationships" xmlns:p="http://schemas.openxmlformats.org/presentationml/2006/main">
+  <p:cSld>
+    <p:spTree>
+      <p:nvGrpSpPr>
+        <p:cNvPr id="1" name=""/>
+        <p:cNvGrpSpPr/>
+        <p:nvPr/>
+      </p:nvGrpSpPr>
+      <p:grpSpPr>
+        <a:xfrm>
+          <a:off x="0" y="0"/>
+          <a:ext cx="0" cy="0"/>
+          <a:chOff x="0" y="0"/>
+          <a:chExt cx="0" cy="0"/>
+        </a:xfrm>
+      </p:grpSpPr>
+      <p:sp>
+        <p:nvSpPr>
+          <p:cNvPr id="2" name="Titel 1">
+            <a:extLst>
+              <a:ext uri="{FF2B5EF4-FFF2-40B4-BE49-F238E27FC236}">
+                <a16:creationId xmlns:a16="http://schemas.microsoft.com/office/drawing/2014/main" id="{1231362C-2F89-D7A2-ED8B-DB14B69F7EF5}"/>
+              </a:ext>
+            </a:extLst>
+          </p:cNvPr>
+          <p:cNvSpPr>
+            <a:spLocks noGrp="1"/>
+          </p:cNvSpPr>
+          <p:nvPr>
+            <p:ph type="title"/>
+          </p:nvPr>
+        </p:nvSpPr>
+        <p:spPr/>
+        <p:txBody>
+          <a:bodyPr/>
+          <a:lstStyle/>
+          <a:p>
+            <a:r>
+              <a:rPr lang="de-DE" dirty="0"/>
+              <a:t>About </a:t>
+            </a:r>
+            <a:r>
+              <a:rPr lang="de-DE" dirty="0" err="1"/>
+              <a:t>us</a:t>
+            </a:r>
+            <a:endParaRPr lang="de-DE" dirty="0"/>
+          </a:p>
+        </p:txBody>
+      </p:sp>
+      <p:pic>
+        <p:nvPicPr>
+          <p:cNvPr id="9" name="Inhaltsplatzhalter 8">
+            <a:extLst>
+              <a:ext uri="{FF2B5EF4-FFF2-40B4-BE49-F238E27FC236}">
+                <a16:creationId xmlns:a16="http://schemas.microsoft.com/office/drawing/2014/main" id="{FBEBF476-DA31-7645-20D4-F18D415751F8}"/>
+              </a:ext>
+            </a:extLst>
+          </p:cNvPr>
+          <p:cNvPicPr>
+            <a:picLocks noGrp="1" noChangeAspect="1"/>
+          </p:cNvPicPr>
+          <p:nvPr>
+            <p:ph idx="1"/>
+          </p:nvPr>
+        </p:nvPicPr>
+        <p:blipFill rotWithShape="1">
+          <a:blip r:embed="rId2">
+            <a:extLst>
+              <a:ext uri="{28A0092B-C50C-407E-A947-70E740481C1C}">
+                <a14:useLocalDpi xmlns:a14="http://schemas.microsoft.com/office/drawing/2010/main" val="0"/>
+              </a:ext>
+            </a:extLst>
+          </a:blip>
+          <a:srcRect l="8575" t="33133" r="8828" b="4965"/>
+          <a:stretch/>
+        </p:blipFill>
+        <p:spPr>
+          <a:xfrm>
+            <a:off x="3527828" y="791944"/>
+            <a:ext cx="5136344" cy="5989110"/>
+          </a:xfrm>
+        </p:spPr>
+      </p:pic>
+    </p:spTree>
+    <p:extLst>
+      <p:ext uri="{BB962C8B-B14F-4D97-AF65-F5344CB8AC3E}">
+        <p14:creationId xmlns:p14="http://schemas.microsoft.com/office/powerpoint/2010/main" val="3477919437"/>
       </p:ext>
     </p:extLst>
   </p:cSld>
